--- a/network_introduction_2022/material/l7/routing.pptx
+++ b/network_introduction_2022/material/l7/routing.pptx
@@ -12,6 +12,12 @@
     <p:sldId id="293" r:id="rId6"/>
     <p:sldId id="294" r:id="rId7"/>
     <p:sldId id="295" r:id="rId8"/>
+    <p:sldId id="296" r:id="rId9"/>
+    <p:sldId id="297" r:id="rId10"/>
+    <p:sldId id="298" r:id="rId11"/>
+    <p:sldId id="299" r:id="rId12"/>
+    <p:sldId id="300" r:id="rId13"/>
+    <p:sldId id="301" r:id="rId14"/>
   </p:sldIdLst>
   <p:sldSz cx="12192000" cy="6858000"/>
   <p:notesSz cx="6858000" cy="9144000"/>
@@ -276,7 +282,7 @@
           <a:p>
             <a:fld id="{D8B7E551-822F-4896-9EDE-9E8F0CB865CE}" type="datetimeFigureOut">
               <a:rPr lang="it-IT" smtClean="0"/>
-              <a:t>21/12/2022</a:t>
+              <a:t>09/01/2023</a:t>
             </a:fld>
             <a:endParaRPr lang="it-IT"/>
           </a:p>
@@ -474,7 +480,7 @@
           <a:p>
             <a:fld id="{D8B7E551-822F-4896-9EDE-9E8F0CB865CE}" type="datetimeFigureOut">
               <a:rPr lang="it-IT" smtClean="0"/>
-              <a:t>21/12/2022</a:t>
+              <a:t>09/01/2023</a:t>
             </a:fld>
             <a:endParaRPr lang="it-IT"/>
           </a:p>
@@ -682,7 +688,7 @@
           <a:p>
             <a:fld id="{D8B7E551-822F-4896-9EDE-9E8F0CB865CE}" type="datetimeFigureOut">
               <a:rPr lang="it-IT" smtClean="0"/>
-              <a:t>21/12/2022</a:t>
+              <a:t>09/01/2023</a:t>
             </a:fld>
             <a:endParaRPr lang="it-IT"/>
           </a:p>
@@ -880,7 +886,7 @@
           <a:p>
             <a:fld id="{D8B7E551-822F-4896-9EDE-9E8F0CB865CE}" type="datetimeFigureOut">
               <a:rPr lang="it-IT" smtClean="0"/>
-              <a:t>21/12/2022</a:t>
+              <a:t>09/01/2023</a:t>
             </a:fld>
             <a:endParaRPr lang="it-IT"/>
           </a:p>
@@ -1155,7 +1161,7 @@
           <a:p>
             <a:fld id="{D8B7E551-822F-4896-9EDE-9E8F0CB865CE}" type="datetimeFigureOut">
               <a:rPr lang="it-IT" smtClean="0"/>
-              <a:t>21/12/2022</a:t>
+              <a:t>09/01/2023</a:t>
             </a:fld>
             <a:endParaRPr lang="it-IT"/>
           </a:p>
@@ -1420,7 +1426,7 @@
           <a:p>
             <a:fld id="{D8B7E551-822F-4896-9EDE-9E8F0CB865CE}" type="datetimeFigureOut">
               <a:rPr lang="it-IT" smtClean="0"/>
-              <a:t>21/12/2022</a:t>
+              <a:t>09/01/2023</a:t>
             </a:fld>
             <a:endParaRPr lang="it-IT"/>
           </a:p>
@@ -1832,7 +1838,7 @@
           <a:p>
             <a:fld id="{D8B7E551-822F-4896-9EDE-9E8F0CB865CE}" type="datetimeFigureOut">
               <a:rPr lang="it-IT" smtClean="0"/>
-              <a:t>21/12/2022</a:t>
+              <a:t>09/01/2023</a:t>
             </a:fld>
             <a:endParaRPr lang="it-IT"/>
           </a:p>
@@ -1973,7 +1979,7 @@
           <a:p>
             <a:fld id="{D8B7E551-822F-4896-9EDE-9E8F0CB865CE}" type="datetimeFigureOut">
               <a:rPr lang="it-IT" smtClean="0"/>
-              <a:t>21/12/2022</a:t>
+              <a:t>09/01/2023</a:t>
             </a:fld>
             <a:endParaRPr lang="it-IT"/>
           </a:p>
@@ -2086,7 +2092,7 @@
           <a:p>
             <a:fld id="{D8B7E551-822F-4896-9EDE-9E8F0CB865CE}" type="datetimeFigureOut">
               <a:rPr lang="it-IT" smtClean="0"/>
-              <a:t>21/12/2022</a:t>
+              <a:t>09/01/2023</a:t>
             </a:fld>
             <a:endParaRPr lang="it-IT"/>
           </a:p>
@@ -2397,7 +2403,7 @@
           <a:p>
             <a:fld id="{D8B7E551-822F-4896-9EDE-9E8F0CB865CE}" type="datetimeFigureOut">
               <a:rPr lang="it-IT" smtClean="0"/>
-              <a:t>21/12/2022</a:t>
+              <a:t>09/01/2023</a:t>
             </a:fld>
             <a:endParaRPr lang="it-IT"/>
           </a:p>
@@ -2685,7 +2691,7 @@
           <a:p>
             <a:fld id="{D8B7E551-822F-4896-9EDE-9E8F0CB865CE}" type="datetimeFigureOut">
               <a:rPr lang="it-IT" smtClean="0"/>
-              <a:t>21/12/2022</a:t>
+              <a:t>09/01/2023</a:t>
             </a:fld>
             <a:endParaRPr lang="it-IT"/>
           </a:p>
@@ -2926,7 +2932,7 @@
           <a:p>
             <a:fld id="{D8B7E551-822F-4896-9EDE-9E8F0CB865CE}" type="datetimeFigureOut">
               <a:rPr lang="it-IT" smtClean="0"/>
-              <a:t>21/12/2022</a:t>
+              <a:t>09/01/2023</a:t>
             </a:fld>
             <a:endParaRPr lang="it-IT"/>
           </a:p>
@@ -3559,6 +3565,1035 @@
 </p:sld>
 </file>
 
+<file path=ppt/slides/slide10.xml><?xml version="1.0" encoding="utf-8"?>
+<p:sld xmlns:a="http://schemas.openxmlformats.org/drawingml/2006/main" xmlns:r="http://schemas.openxmlformats.org/officeDocument/2006/relationships" xmlns:p="http://schemas.openxmlformats.org/presentationml/2006/main">
+  <p:cSld>
+    <p:spTree>
+      <p:nvGrpSpPr>
+        <p:cNvPr id="1" name=""/>
+        <p:cNvGrpSpPr/>
+        <p:nvPr/>
+      </p:nvGrpSpPr>
+      <p:grpSpPr>
+        <a:xfrm>
+          <a:off x="0" y="0"/>
+          <a:ext cx="0" cy="0"/>
+          <a:chOff x="0" y="0"/>
+          <a:chExt cx="0" cy="0"/>
+        </a:xfrm>
+      </p:grpSpPr>
+      <p:sp>
+        <p:nvSpPr>
+          <p:cNvPr id="5" name="Rettangolo con angoli arrotondati 4">
+            <a:extLst>
+              <a:ext uri="{FF2B5EF4-FFF2-40B4-BE49-F238E27FC236}">
+                <a16:creationId xmlns:a16="http://schemas.microsoft.com/office/drawing/2014/main" id="{9B281B25-3E31-EC1A-BB8F-795A8CC896CB}"/>
+              </a:ext>
+            </a:extLst>
+          </p:cNvPr>
+          <p:cNvSpPr/>
+          <p:nvPr/>
+        </p:nvSpPr>
+        <p:spPr>
+          <a:xfrm>
+            <a:off x="1381897" y="521279"/>
+            <a:ext cx="9428206" cy="1013254"/>
+          </a:xfrm>
+          <a:prstGeom prst="roundRect">
+            <a:avLst/>
+          </a:prstGeom>
+        </p:spPr>
+        <p:style>
+          <a:lnRef idx="2">
+            <a:schemeClr val="dk1">
+              <a:shade val="50000"/>
+            </a:schemeClr>
+          </a:lnRef>
+          <a:fillRef idx="1">
+            <a:schemeClr val="dk1"/>
+          </a:fillRef>
+          <a:effectRef idx="0">
+            <a:schemeClr val="dk1"/>
+          </a:effectRef>
+          <a:fontRef idx="minor">
+            <a:schemeClr val="lt1"/>
+          </a:fontRef>
+        </p:style>
+        <p:txBody>
+          <a:bodyPr rtlCol="0" anchor="ctr"/>
+          <a:lstStyle/>
+          <a:p>
+            <a:pPr algn="ctr"/>
+            <a:endParaRPr lang="it-IT"/>
+          </a:p>
+        </p:txBody>
+      </p:sp>
+      <p:sp>
+        <p:nvSpPr>
+          <p:cNvPr id="2" name="Titolo 1">
+            <a:extLst>
+              <a:ext uri="{FF2B5EF4-FFF2-40B4-BE49-F238E27FC236}">
+                <a16:creationId xmlns:a16="http://schemas.microsoft.com/office/drawing/2014/main" id="{89482AAA-D49C-41CC-87C3-E210C152BED8}"/>
+              </a:ext>
+            </a:extLst>
+          </p:cNvPr>
+          <p:cNvSpPr>
+            <a:spLocks noGrp="1"/>
+          </p:cNvSpPr>
+          <p:nvPr>
+            <p:ph type="title"/>
+          </p:nvPr>
+        </p:nvSpPr>
+        <p:spPr/>
+        <p:txBody>
+          <a:bodyPr>
+            <a:normAutofit/>
+          </a:bodyPr>
+          <a:lstStyle/>
+          <a:p>
+            <a:pPr algn="ctr"/>
+            <a:r>
+              <a:rPr lang="it-IT" sz="4800" dirty="0">
+                <a:solidFill>
+                  <a:schemeClr val="bg1"/>
+                </a:solidFill>
+                <a:latin typeface="Print Clearly" panose="02000000000000000000" pitchFamily="50" charset="0"/>
+              </a:rPr>
+              <a:t>Routing inter e intra ISP</a:t>
+            </a:r>
+          </a:p>
+        </p:txBody>
+      </p:sp>
+      <p:sp>
+        <p:nvSpPr>
+          <p:cNvPr id="10" name="Segnaposto contenuto 9">
+            <a:extLst>
+              <a:ext uri="{FF2B5EF4-FFF2-40B4-BE49-F238E27FC236}">
+                <a16:creationId xmlns:a16="http://schemas.microsoft.com/office/drawing/2014/main" id="{C85A66BC-EB2C-8754-1665-88E4F4B05193}"/>
+              </a:ext>
+            </a:extLst>
+          </p:cNvPr>
+          <p:cNvSpPr>
+            <a:spLocks noGrp="1"/>
+          </p:cNvSpPr>
+          <p:nvPr>
+            <p:ph sz="half" idx="1"/>
+          </p:nvPr>
+        </p:nvSpPr>
+        <p:spPr/>
+        <p:txBody>
+          <a:bodyPr/>
+          <a:lstStyle/>
+          <a:p>
+            <a:r>
+              <a:rPr lang="it-IT" dirty="0"/>
+              <a:t>Gli algoritmi di </a:t>
+            </a:r>
+            <a:r>
+              <a:rPr lang="it-IT" dirty="0" err="1"/>
+              <a:t>routing</a:t>
+            </a:r>
+            <a:r>
+              <a:rPr lang="it-IT" dirty="0"/>
+              <a:t> visti sino ad ora basati su DV e LS vengono usati per calcolare il cammino minimo all’interno dell’ISP (protocolli INTRA-ISP)</a:t>
+            </a:r>
+          </a:p>
+          <a:p>
+            <a:r>
+              <a:rPr lang="it-IT" dirty="0"/>
+              <a:t>Per gestire il </a:t>
+            </a:r>
+            <a:r>
+              <a:rPr lang="it-IT" dirty="0" err="1"/>
+              <a:t>routing</a:t>
+            </a:r>
+            <a:r>
+              <a:rPr lang="it-IT" dirty="0"/>
+              <a:t> tra AS (INTER-ISP) è stato definito un unico protocollo: BGP (</a:t>
+            </a:r>
+            <a:r>
+              <a:rPr lang="it-IT" dirty="0" err="1"/>
+              <a:t>Border</a:t>
+            </a:r>
+            <a:r>
+              <a:rPr lang="it-IT" dirty="0"/>
+              <a:t> Gateway </a:t>
+            </a:r>
+            <a:r>
+              <a:rPr lang="it-IT" dirty="0" err="1"/>
+              <a:t>Protocol</a:t>
+            </a:r>
+            <a:r>
+              <a:rPr lang="it-IT" dirty="0"/>
+              <a:t>)</a:t>
+            </a:r>
+          </a:p>
+        </p:txBody>
+      </p:sp>
+      <p:pic>
+        <p:nvPicPr>
+          <p:cNvPr id="13" name="Segnaposto contenuto 12">
+            <a:extLst>
+              <a:ext uri="{FF2B5EF4-FFF2-40B4-BE49-F238E27FC236}">
+                <a16:creationId xmlns:a16="http://schemas.microsoft.com/office/drawing/2014/main" id="{2D0F083B-D35D-0F2C-BC17-1FF81CD95E1A}"/>
+              </a:ext>
+            </a:extLst>
+          </p:cNvPr>
+          <p:cNvPicPr>
+            <a:picLocks noGrp="1" noChangeAspect="1"/>
+          </p:cNvPicPr>
+          <p:nvPr>
+            <p:ph sz="half" idx="2"/>
+          </p:nvPr>
+        </p:nvPicPr>
+        <p:blipFill rotWithShape="1">
+          <a:blip r:embed="rId2"/>
+          <a:srcRect l="1955" t="2574" r="2096" b="2982"/>
+          <a:stretch/>
+        </p:blipFill>
+        <p:spPr>
+          <a:xfrm>
+            <a:off x="6096000" y="2385371"/>
+            <a:ext cx="5813587" cy="2087257"/>
+          </a:xfrm>
+        </p:spPr>
+      </p:pic>
+      <p:pic>
+        <p:nvPicPr>
+          <p:cNvPr id="4" name="Immagine 3">
+            <a:extLst>
+              <a:ext uri="{FF2B5EF4-FFF2-40B4-BE49-F238E27FC236}">
+                <a16:creationId xmlns:a16="http://schemas.microsoft.com/office/drawing/2014/main" id="{D77C5866-A614-48DA-8D6D-4A9AAB8F9B0D}"/>
+              </a:ext>
+            </a:extLst>
+          </p:cNvPr>
+          <p:cNvPicPr>
+            <a:picLocks noChangeAspect="1"/>
+          </p:cNvPicPr>
+          <p:nvPr/>
+        </p:nvPicPr>
+        <p:blipFill>
+          <a:blip r:embed="rId3">
+            <a:extLst>
+              <a:ext uri="{28A0092B-C50C-407E-A947-70E740481C1C}">
+                <a14:useLocalDpi xmlns:a14="http://schemas.microsoft.com/office/drawing/2010/main" val="0"/>
+              </a:ext>
+            </a:extLst>
+          </a:blip>
+          <a:stretch>
+            <a:fillRect/>
+          </a:stretch>
+        </p:blipFill>
+        <p:spPr>
+          <a:xfrm>
+            <a:off x="9441877" y="6129856"/>
+            <a:ext cx="2414146" cy="397754"/>
+          </a:xfrm>
+          <a:prstGeom prst="rect">
+            <a:avLst/>
+          </a:prstGeom>
+        </p:spPr>
+      </p:pic>
+    </p:spTree>
+    <p:extLst>
+      <p:ext uri="{BB962C8B-B14F-4D97-AF65-F5344CB8AC3E}">
+        <p14:creationId xmlns:p14="http://schemas.microsoft.com/office/powerpoint/2010/main" val="4068599695"/>
+      </p:ext>
+    </p:extLst>
+  </p:cSld>
+  <p:clrMapOvr>
+    <a:masterClrMapping/>
+  </p:clrMapOvr>
+  <mc:AlternateContent xmlns:mc="http://schemas.openxmlformats.org/markup-compatibility/2006">
+    <mc:Choice xmlns:p159="http://schemas.microsoft.com/office/powerpoint/2015/09/main" Requires="p159">
+      <p:transition xmlns:p14="http://schemas.microsoft.com/office/powerpoint/2010/main" spd="slow" p14:dur="2000">
+        <p159:morph option="byObject"/>
+      </p:transition>
+    </mc:Choice>
+    <mc:Fallback>
+      <p:transition spd="slow">
+        <p:fade/>
+      </p:transition>
+    </mc:Fallback>
+  </mc:AlternateContent>
+</p:sld>
+</file>
+
+<file path=ppt/slides/slide11.xml><?xml version="1.0" encoding="utf-8"?>
+<p:sld xmlns:a="http://schemas.openxmlformats.org/drawingml/2006/main" xmlns:r="http://schemas.openxmlformats.org/officeDocument/2006/relationships" xmlns:p="http://schemas.openxmlformats.org/presentationml/2006/main">
+  <p:cSld>
+    <p:spTree>
+      <p:nvGrpSpPr>
+        <p:cNvPr id="1" name=""/>
+        <p:cNvGrpSpPr/>
+        <p:nvPr/>
+      </p:nvGrpSpPr>
+      <p:grpSpPr>
+        <a:xfrm>
+          <a:off x="0" y="0"/>
+          <a:ext cx="0" cy="0"/>
+          <a:chOff x="0" y="0"/>
+          <a:chExt cx="0" cy="0"/>
+        </a:xfrm>
+      </p:grpSpPr>
+      <p:sp>
+        <p:nvSpPr>
+          <p:cNvPr id="5" name="Rettangolo con angoli arrotondati 4">
+            <a:extLst>
+              <a:ext uri="{FF2B5EF4-FFF2-40B4-BE49-F238E27FC236}">
+                <a16:creationId xmlns:a16="http://schemas.microsoft.com/office/drawing/2014/main" id="{9B281B25-3E31-EC1A-BB8F-795A8CC896CB}"/>
+              </a:ext>
+            </a:extLst>
+          </p:cNvPr>
+          <p:cNvSpPr/>
+          <p:nvPr/>
+        </p:nvSpPr>
+        <p:spPr>
+          <a:xfrm>
+            <a:off x="1381897" y="521279"/>
+            <a:ext cx="9428206" cy="1013254"/>
+          </a:xfrm>
+          <a:prstGeom prst="roundRect">
+            <a:avLst/>
+          </a:prstGeom>
+        </p:spPr>
+        <p:style>
+          <a:lnRef idx="2">
+            <a:schemeClr val="dk1">
+              <a:shade val="50000"/>
+            </a:schemeClr>
+          </a:lnRef>
+          <a:fillRef idx="1">
+            <a:schemeClr val="dk1"/>
+          </a:fillRef>
+          <a:effectRef idx="0">
+            <a:schemeClr val="dk1"/>
+          </a:effectRef>
+          <a:fontRef idx="minor">
+            <a:schemeClr val="lt1"/>
+          </a:fontRef>
+        </p:style>
+        <p:txBody>
+          <a:bodyPr rtlCol="0" anchor="ctr"/>
+          <a:lstStyle/>
+          <a:p>
+            <a:pPr algn="ctr"/>
+            <a:endParaRPr lang="it-IT"/>
+          </a:p>
+        </p:txBody>
+      </p:sp>
+      <p:sp>
+        <p:nvSpPr>
+          <p:cNvPr id="2" name="Titolo 1">
+            <a:extLst>
+              <a:ext uri="{FF2B5EF4-FFF2-40B4-BE49-F238E27FC236}">
+                <a16:creationId xmlns:a16="http://schemas.microsoft.com/office/drawing/2014/main" id="{89482AAA-D49C-41CC-87C3-E210C152BED8}"/>
+              </a:ext>
+            </a:extLst>
+          </p:cNvPr>
+          <p:cNvSpPr>
+            <a:spLocks noGrp="1"/>
+          </p:cNvSpPr>
+          <p:nvPr>
+            <p:ph type="title"/>
+          </p:nvPr>
+        </p:nvSpPr>
+        <p:spPr/>
+        <p:txBody>
+          <a:bodyPr>
+            <a:normAutofit/>
+          </a:bodyPr>
+          <a:lstStyle/>
+          <a:p>
+            <a:pPr algn="ctr"/>
+            <a:r>
+              <a:rPr lang="it-IT" sz="4800" dirty="0">
+                <a:solidFill>
+                  <a:schemeClr val="bg1"/>
+                </a:solidFill>
+                <a:latin typeface="Print Clearly" panose="02000000000000000000" pitchFamily="50" charset="0"/>
+              </a:rPr>
+              <a:t>Routing inter e intra ISP</a:t>
+            </a:r>
+          </a:p>
+        </p:txBody>
+      </p:sp>
+      <p:sp>
+        <p:nvSpPr>
+          <p:cNvPr id="10" name="Segnaposto contenuto 9">
+            <a:extLst>
+              <a:ext uri="{FF2B5EF4-FFF2-40B4-BE49-F238E27FC236}">
+                <a16:creationId xmlns:a16="http://schemas.microsoft.com/office/drawing/2014/main" id="{C85A66BC-EB2C-8754-1665-88E4F4B05193}"/>
+              </a:ext>
+            </a:extLst>
+          </p:cNvPr>
+          <p:cNvSpPr>
+            <a:spLocks noGrp="1"/>
+          </p:cNvSpPr>
+          <p:nvPr>
+            <p:ph idx="1"/>
+          </p:nvPr>
+        </p:nvSpPr>
+        <p:spPr/>
+        <p:txBody>
+          <a:bodyPr/>
+          <a:lstStyle/>
+          <a:p>
+            <a:r>
+              <a:rPr lang="it-IT" dirty="0"/>
+              <a:t>Considerando un router di un ISP, la tabella di </a:t>
+            </a:r>
+            <a:r>
+              <a:rPr lang="it-IT" dirty="0" err="1"/>
+              <a:t>routing</a:t>
+            </a:r>
+            <a:r>
+              <a:rPr lang="it-IT" dirty="0"/>
+              <a:t> sarà formata da righe (destinazioni) che si trovano all’interno dell’ISP; altre che si trovano all’esterno</a:t>
+            </a:r>
+          </a:p>
+          <a:p>
+            <a:r>
+              <a:rPr lang="it-IT" dirty="0"/>
+              <a:t>Il protocollo INTRA-ISP si preoccupa di mantenere e gestire le prime, il BGP le seconde</a:t>
+            </a:r>
+          </a:p>
+        </p:txBody>
+      </p:sp>
+      <p:pic>
+        <p:nvPicPr>
+          <p:cNvPr id="4" name="Immagine 3">
+            <a:extLst>
+              <a:ext uri="{FF2B5EF4-FFF2-40B4-BE49-F238E27FC236}">
+                <a16:creationId xmlns:a16="http://schemas.microsoft.com/office/drawing/2014/main" id="{D77C5866-A614-48DA-8D6D-4A9AAB8F9B0D}"/>
+              </a:ext>
+            </a:extLst>
+          </p:cNvPr>
+          <p:cNvPicPr>
+            <a:picLocks noChangeAspect="1"/>
+          </p:cNvPicPr>
+          <p:nvPr/>
+        </p:nvPicPr>
+        <p:blipFill>
+          <a:blip r:embed="rId2">
+            <a:extLst>
+              <a:ext uri="{28A0092B-C50C-407E-A947-70E740481C1C}">
+                <a14:useLocalDpi xmlns:a14="http://schemas.microsoft.com/office/drawing/2010/main" val="0"/>
+              </a:ext>
+            </a:extLst>
+          </a:blip>
+          <a:stretch>
+            <a:fillRect/>
+          </a:stretch>
+        </p:blipFill>
+        <p:spPr>
+          <a:xfrm>
+            <a:off x="9441877" y="6129856"/>
+            <a:ext cx="2414146" cy="397754"/>
+          </a:xfrm>
+          <a:prstGeom prst="rect">
+            <a:avLst/>
+          </a:prstGeom>
+        </p:spPr>
+      </p:pic>
+    </p:spTree>
+    <p:extLst>
+      <p:ext uri="{BB962C8B-B14F-4D97-AF65-F5344CB8AC3E}">
+        <p14:creationId xmlns:p14="http://schemas.microsoft.com/office/powerpoint/2010/main" val="414482882"/>
+      </p:ext>
+    </p:extLst>
+  </p:cSld>
+  <p:clrMapOvr>
+    <a:masterClrMapping/>
+  </p:clrMapOvr>
+  <mc:AlternateContent xmlns:mc="http://schemas.openxmlformats.org/markup-compatibility/2006">
+    <mc:Choice xmlns:p159="http://schemas.microsoft.com/office/powerpoint/2015/09/main" Requires="p159">
+      <p:transition xmlns:p14="http://schemas.microsoft.com/office/powerpoint/2010/main" spd="slow" p14:dur="2000">
+        <p159:morph option="byObject"/>
+      </p:transition>
+    </mc:Choice>
+    <mc:Fallback>
+      <p:transition spd="slow">
+        <p:fade/>
+      </p:transition>
+    </mc:Fallback>
+  </mc:AlternateContent>
+</p:sld>
+</file>
+
+<file path=ppt/slides/slide12.xml><?xml version="1.0" encoding="utf-8"?>
+<p:sld xmlns:a="http://schemas.openxmlformats.org/drawingml/2006/main" xmlns:r="http://schemas.openxmlformats.org/officeDocument/2006/relationships" xmlns:p="http://schemas.openxmlformats.org/presentationml/2006/main">
+  <p:cSld>
+    <p:spTree>
+      <p:nvGrpSpPr>
+        <p:cNvPr id="1" name=""/>
+        <p:cNvGrpSpPr/>
+        <p:nvPr/>
+      </p:nvGrpSpPr>
+      <p:grpSpPr>
+        <a:xfrm>
+          <a:off x="0" y="0"/>
+          <a:ext cx="0" cy="0"/>
+          <a:chOff x="0" y="0"/>
+          <a:chExt cx="0" cy="0"/>
+        </a:xfrm>
+      </p:grpSpPr>
+      <p:sp>
+        <p:nvSpPr>
+          <p:cNvPr id="5" name="Rettangolo con angoli arrotondati 4">
+            <a:extLst>
+              <a:ext uri="{FF2B5EF4-FFF2-40B4-BE49-F238E27FC236}">
+                <a16:creationId xmlns:a16="http://schemas.microsoft.com/office/drawing/2014/main" id="{9B281B25-3E31-EC1A-BB8F-795A8CC896CB}"/>
+              </a:ext>
+            </a:extLst>
+          </p:cNvPr>
+          <p:cNvSpPr/>
+          <p:nvPr/>
+        </p:nvSpPr>
+        <p:spPr>
+          <a:xfrm>
+            <a:off x="1381897" y="521279"/>
+            <a:ext cx="9428206" cy="1013254"/>
+          </a:xfrm>
+          <a:prstGeom prst="roundRect">
+            <a:avLst/>
+          </a:prstGeom>
+        </p:spPr>
+        <p:style>
+          <a:lnRef idx="2">
+            <a:schemeClr val="dk1">
+              <a:shade val="50000"/>
+            </a:schemeClr>
+          </a:lnRef>
+          <a:fillRef idx="1">
+            <a:schemeClr val="dk1"/>
+          </a:fillRef>
+          <a:effectRef idx="0">
+            <a:schemeClr val="dk1"/>
+          </a:effectRef>
+          <a:fontRef idx="minor">
+            <a:schemeClr val="lt1"/>
+          </a:fontRef>
+        </p:style>
+        <p:txBody>
+          <a:bodyPr rtlCol="0" anchor="ctr"/>
+          <a:lstStyle/>
+          <a:p>
+            <a:pPr algn="ctr"/>
+            <a:endParaRPr lang="it-IT"/>
+          </a:p>
+        </p:txBody>
+      </p:sp>
+      <p:sp>
+        <p:nvSpPr>
+          <p:cNvPr id="2" name="Titolo 1">
+            <a:extLst>
+              <a:ext uri="{FF2B5EF4-FFF2-40B4-BE49-F238E27FC236}">
+                <a16:creationId xmlns:a16="http://schemas.microsoft.com/office/drawing/2014/main" id="{89482AAA-D49C-41CC-87C3-E210C152BED8}"/>
+              </a:ext>
+            </a:extLst>
+          </p:cNvPr>
+          <p:cNvSpPr>
+            <a:spLocks noGrp="1"/>
+          </p:cNvSpPr>
+          <p:nvPr>
+            <p:ph type="title"/>
+          </p:nvPr>
+        </p:nvSpPr>
+        <p:spPr/>
+        <p:txBody>
+          <a:bodyPr>
+            <a:normAutofit/>
+          </a:bodyPr>
+          <a:lstStyle/>
+          <a:p>
+            <a:pPr algn="ctr"/>
+            <a:r>
+              <a:rPr lang="it-IT" sz="4800" dirty="0">
+                <a:solidFill>
+                  <a:schemeClr val="bg1"/>
+                </a:solidFill>
+                <a:latin typeface="Print Clearly" panose="02000000000000000000" pitchFamily="50" charset="0"/>
+              </a:rPr>
+              <a:t>Destinazione raggiungibile da più router</a:t>
+            </a:r>
+          </a:p>
+        </p:txBody>
+      </p:sp>
+      <p:pic>
+        <p:nvPicPr>
+          <p:cNvPr id="6" name="Segnaposto contenuto 5">
+            <a:extLst>
+              <a:ext uri="{FF2B5EF4-FFF2-40B4-BE49-F238E27FC236}">
+                <a16:creationId xmlns:a16="http://schemas.microsoft.com/office/drawing/2014/main" id="{04E56CF7-A3E2-23CA-C9EE-E6EED9125E3D}"/>
+              </a:ext>
+            </a:extLst>
+          </p:cNvPr>
+          <p:cNvPicPr>
+            <a:picLocks noGrp="1" noChangeAspect="1"/>
+          </p:cNvPicPr>
+          <p:nvPr>
+            <p:ph idx="1"/>
+          </p:nvPr>
+        </p:nvPicPr>
+        <p:blipFill rotWithShape="1">
+          <a:blip r:embed="rId2"/>
+          <a:srcRect l="3189" t="6489" r="1972" b="1673"/>
+          <a:stretch/>
+        </p:blipFill>
+        <p:spPr>
+          <a:xfrm>
+            <a:off x="1122405" y="2217396"/>
+            <a:ext cx="9947189" cy="3385751"/>
+          </a:xfrm>
+        </p:spPr>
+      </p:pic>
+      <p:pic>
+        <p:nvPicPr>
+          <p:cNvPr id="4" name="Immagine 3">
+            <a:extLst>
+              <a:ext uri="{FF2B5EF4-FFF2-40B4-BE49-F238E27FC236}">
+                <a16:creationId xmlns:a16="http://schemas.microsoft.com/office/drawing/2014/main" id="{D77C5866-A614-48DA-8D6D-4A9AAB8F9B0D}"/>
+              </a:ext>
+            </a:extLst>
+          </p:cNvPr>
+          <p:cNvPicPr>
+            <a:picLocks noChangeAspect="1"/>
+          </p:cNvPicPr>
+          <p:nvPr/>
+        </p:nvPicPr>
+        <p:blipFill>
+          <a:blip r:embed="rId3">
+            <a:extLst>
+              <a:ext uri="{28A0092B-C50C-407E-A947-70E740481C1C}">
+                <a14:useLocalDpi xmlns:a14="http://schemas.microsoft.com/office/drawing/2010/main" val="0"/>
+              </a:ext>
+            </a:extLst>
+          </a:blip>
+          <a:stretch>
+            <a:fillRect/>
+          </a:stretch>
+        </p:blipFill>
+        <p:spPr>
+          <a:xfrm>
+            <a:off x="9441877" y="6129856"/>
+            <a:ext cx="2414146" cy="397754"/>
+          </a:xfrm>
+          <a:prstGeom prst="rect">
+            <a:avLst/>
+          </a:prstGeom>
+        </p:spPr>
+      </p:pic>
+    </p:spTree>
+    <p:extLst>
+      <p:ext uri="{BB962C8B-B14F-4D97-AF65-F5344CB8AC3E}">
+        <p14:creationId xmlns:p14="http://schemas.microsoft.com/office/powerpoint/2010/main" val="2862174061"/>
+      </p:ext>
+    </p:extLst>
+  </p:cSld>
+  <p:clrMapOvr>
+    <a:masterClrMapping/>
+  </p:clrMapOvr>
+  <mc:AlternateContent xmlns:mc="http://schemas.openxmlformats.org/markup-compatibility/2006">
+    <mc:Choice xmlns:p159="http://schemas.microsoft.com/office/powerpoint/2015/09/main" Requires="p159">
+      <p:transition xmlns:p14="http://schemas.microsoft.com/office/powerpoint/2010/main" spd="slow" p14:dur="2000">
+        <p159:morph option="byObject"/>
+      </p:transition>
+    </mc:Choice>
+    <mc:Fallback>
+      <p:transition spd="slow">
+        <p:fade/>
+      </p:transition>
+    </mc:Fallback>
+  </mc:AlternateContent>
+</p:sld>
+</file>
+
+<file path=ppt/slides/slide13.xml><?xml version="1.0" encoding="utf-8"?>
+<p:sld xmlns:a="http://schemas.openxmlformats.org/drawingml/2006/main" xmlns:r="http://schemas.openxmlformats.org/officeDocument/2006/relationships" xmlns:p="http://schemas.openxmlformats.org/presentationml/2006/main">
+  <p:cSld>
+    <p:spTree>
+      <p:nvGrpSpPr>
+        <p:cNvPr id="1" name=""/>
+        <p:cNvGrpSpPr/>
+        <p:nvPr/>
+      </p:nvGrpSpPr>
+      <p:grpSpPr>
+        <a:xfrm>
+          <a:off x="0" y="0"/>
+          <a:ext cx="0" cy="0"/>
+          <a:chOff x="0" y="0"/>
+          <a:chExt cx="0" cy="0"/>
+        </a:xfrm>
+      </p:grpSpPr>
+      <p:sp>
+        <p:nvSpPr>
+          <p:cNvPr id="5" name="Rettangolo con angoli arrotondati 4">
+            <a:extLst>
+              <a:ext uri="{FF2B5EF4-FFF2-40B4-BE49-F238E27FC236}">
+                <a16:creationId xmlns:a16="http://schemas.microsoft.com/office/drawing/2014/main" id="{9B281B25-3E31-EC1A-BB8F-795A8CC896CB}"/>
+              </a:ext>
+            </a:extLst>
+          </p:cNvPr>
+          <p:cNvSpPr/>
+          <p:nvPr/>
+        </p:nvSpPr>
+        <p:spPr>
+          <a:xfrm>
+            <a:off x="1381897" y="521279"/>
+            <a:ext cx="9428206" cy="1013254"/>
+          </a:xfrm>
+          <a:prstGeom prst="roundRect">
+            <a:avLst/>
+          </a:prstGeom>
+        </p:spPr>
+        <p:style>
+          <a:lnRef idx="2">
+            <a:schemeClr val="dk1">
+              <a:shade val="50000"/>
+            </a:schemeClr>
+          </a:lnRef>
+          <a:fillRef idx="1">
+            <a:schemeClr val="dk1"/>
+          </a:fillRef>
+          <a:effectRef idx="0">
+            <a:schemeClr val="dk1"/>
+          </a:effectRef>
+          <a:fontRef idx="minor">
+            <a:schemeClr val="lt1"/>
+          </a:fontRef>
+        </p:style>
+        <p:txBody>
+          <a:bodyPr rtlCol="0" anchor="ctr"/>
+          <a:lstStyle/>
+          <a:p>
+            <a:pPr algn="ctr"/>
+            <a:endParaRPr lang="it-IT"/>
+          </a:p>
+        </p:txBody>
+      </p:sp>
+      <p:sp>
+        <p:nvSpPr>
+          <p:cNvPr id="2" name="Titolo 1">
+            <a:extLst>
+              <a:ext uri="{FF2B5EF4-FFF2-40B4-BE49-F238E27FC236}">
+                <a16:creationId xmlns:a16="http://schemas.microsoft.com/office/drawing/2014/main" id="{89482AAA-D49C-41CC-87C3-E210C152BED8}"/>
+              </a:ext>
+            </a:extLst>
+          </p:cNvPr>
+          <p:cNvSpPr>
+            <a:spLocks noGrp="1"/>
+          </p:cNvSpPr>
+          <p:nvPr>
+            <p:ph type="title"/>
+          </p:nvPr>
+        </p:nvSpPr>
+        <p:spPr/>
+        <p:txBody>
+          <a:bodyPr>
+            <a:normAutofit/>
+          </a:bodyPr>
+          <a:lstStyle/>
+          <a:p>
+            <a:pPr algn="ctr"/>
+            <a:r>
+              <a:rPr lang="it-IT" sz="4800" dirty="0">
+                <a:solidFill>
+                  <a:schemeClr val="bg1"/>
+                </a:solidFill>
+                <a:latin typeface="Print Clearly" panose="02000000000000000000" pitchFamily="50" charset="0"/>
+              </a:rPr>
+              <a:t>Hot Potato Routing</a:t>
+            </a:r>
+          </a:p>
+        </p:txBody>
+      </p:sp>
+      <p:pic>
+        <p:nvPicPr>
+          <p:cNvPr id="4" name="Immagine 3">
+            <a:extLst>
+              <a:ext uri="{FF2B5EF4-FFF2-40B4-BE49-F238E27FC236}">
+                <a16:creationId xmlns:a16="http://schemas.microsoft.com/office/drawing/2014/main" id="{D77C5866-A614-48DA-8D6D-4A9AAB8F9B0D}"/>
+              </a:ext>
+            </a:extLst>
+          </p:cNvPr>
+          <p:cNvPicPr>
+            <a:picLocks noChangeAspect="1"/>
+          </p:cNvPicPr>
+          <p:nvPr/>
+        </p:nvPicPr>
+        <p:blipFill>
+          <a:blip r:embed="rId2">
+            <a:extLst>
+              <a:ext uri="{28A0092B-C50C-407E-A947-70E740481C1C}">
+                <a14:useLocalDpi xmlns:a14="http://schemas.microsoft.com/office/drawing/2010/main" val="0"/>
+              </a:ext>
+            </a:extLst>
+          </a:blip>
+          <a:stretch>
+            <a:fillRect/>
+          </a:stretch>
+        </p:blipFill>
+        <p:spPr>
+          <a:xfrm>
+            <a:off x="9441877" y="6129856"/>
+            <a:ext cx="2414146" cy="397754"/>
+          </a:xfrm>
+          <a:prstGeom prst="rect">
+            <a:avLst/>
+          </a:prstGeom>
+        </p:spPr>
+      </p:pic>
+      <p:sp>
+        <p:nvSpPr>
+          <p:cNvPr id="7" name="Segnaposto contenuto 6">
+            <a:extLst>
+              <a:ext uri="{FF2B5EF4-FFF2-40B4-BE49-F238E27FC236}">
+                <a16:creationId xmlns:a16="http://schemas.microsoft.com/office/drawing/2014/main" id="{C380E447-28FC-7E3B-C4B2-90DE51AE229C}"/>
+              </a:ext>
+            </a:extLst>
+          </p:cNvPr>
+          <p:cNvSpPr>
+            <a:spLocks noGrp="1"/>
+          </p:cNvSpPr>
+          <p:nvPr>
+            <p:ph idx="1"/>
+          </p:nvPr>
+        </p:nvSpPr>
+        <p:spPr/>
+        <p:txBody>
+          <a:bodyPr/>
+          <a:lstStyle/>
+          <a:p>
+            <a:r>
+              <a:rPr lang="en-US" dirty="0"/>
+              <a:t>Si </a:t>
+            </a:r>
+            <a:r>
+              <a:rPr lang="en-US" dirty="0" err="1"/>
+              <a:t>sceglie</a:t>
+            </a:r>
+            <a:r>
+              <a:rPr lang="en-US" dirty="0"/>
+              <a:t> il gateway/router di </a:t>
+            </a:r>
+            <a:r>
+              <a:rPr lang="en-US" dirty="0" err="1"/>
+              <a:t>bordo</a:t>
+            </a:r>
+            <a:r>
+              <a:rPr lang="en-US" dirty="0"/>
+              <a:t> </a:t>
+            </a:r>
+            <a:r>
+              <a:rPr lang="en-US" dirty="0" err="1"/>
+              <a:t>più</a:t>
+            </a:r>
+            <a:r>
+              <a:rPr lang="en-US" dirty="0"/>
+              <a:t> </a:t>
+            </a:r>
+            <a:r>
+              <a:rPr lang="en-US" dirty="0" err="1"/>
+              <a:t>vicino</a:t>
+            </a:r>
+            <a:r>
+              <a:rPr lang="en-US" dirty="0"/>
+              <a:t> al router (</a:t>
+            </a:r>
+            <a:r>
+              <a:rPr lang="en-US" dirty="0" err="1"/>
+              <a:t>sorgente</a:t>
+            </a:r>
+            <a:r>
+              <a:rPr lang="en-US" dirty="0"/>
+              <a:t>) </a:t>
+            </a:r>
+            <a:r>
+              <a:rPr lang="en-US" dirty="0" err="1"/>
+              <a:t>che</a:t>
+            </a:r>
+            <a:r>
+              <a:rPr lang="en-US" dirty="0"/>
+              <a:t> </a:t>
+            </a:r>
+            <a:r>
+              <a:rPr lang="en-US" dirty="0" err="1"/>
+              <a:t>deve</a:t>
+            </a:r>
+            <a:r>
+              <a:rPr lang="en-US" dirty="0"/>
+              <a:t> </a:t>
+            </a:r>
+            <a:r>
+              <a:rPr lang="en-US" dirty="0" err="1"/>
+              <a:t>instradare</a:t>
+            </a:r>
+            <a:r>
+              <a:rPr lang="en-US" dirty="0"/>
+              <a:t> il </a:t>
+            </a:r>
+            <a:r>
+              <a:rPr lang="en-US" dirty="0" err="1"/>
+              <a:t>pacchetto</a:t>
+            </a:r>
+            <a:endParaRPr lang="en-US" dirty="0"/>
+          </a:p>
+          <a:p>
+            <a:r>
+              <a:rPr lang="en-US" dirty="0" err="1"/>
+              <a:t>Gli</a:t>
+            </a:r>
+            <a:r>
+              <a:rPr lang="en-US" dirty="0"/>
+              <a:t> </a:t>
+            </a:r>
+            <a:r>
+              <a:rPr lang="en-US" dirty="0" err="1"/>
+              <a:t>annunci</a:t>
+            </a:r>
+            <a:r>
+              <a:rPr lang="en-US" dirty="0"/>
+              <a:t> </a:t>
+            </a:r>
+            <a:r>
+              <a:rPr lang="en-US" dirty="0" err="1"/>
+              <a:t>delle</a:t>
+            </a:r>
+            <a:r>
+              <a:rPr lang="en-US" dirty="0"/>
+              <a:t> </a:t>
+            </a:r>
+            <a:r>
+              <a:rPr lang="en-US" dirty="0" err="1"/>
+              <a:t>destinazioni</a:t>
+            </a:r>
+            <a:r>
+              <a:rPr lang="en-US" dirty="0"/>
+              <a:t> </a:t>
+            </a:r>
+            <a:r>
+              <a:rPr lang="en-US" dirty="0" err="1"/>
+              <a:t>raggiungibili</a:t>
+            </a:r>
+            <a:r>
+              <a:rPr lang="en-US" dirty="0"/>
+              <a:t> </a:t>
+            </a:r>
+            <a:r>
+              <a:rPr lang="en-US" dirty="0" err="1"/>
+              <a:t>creano</a:t>
+            </a:r>
+            <a:r>
+              <a:rPr lang="en-US" dirty="0"/>
+              <a:t> </a:t>
+            </a:r>
+            <a:r>
+              <a:rPr lang="en-US" dirty="0" err="1"/>
+              <a:t>dei</a:t>
+            </a:r>
+            <a:r>
+              <a:rPr lang="en-US" dirty="0"/>
+              <a:t> </a:t>
+            </a:r>
+            <a:r>
+              <a:rPr lang="en-US" dirty="0" err="1"/>
+              <a:t>riassunti</a:t>
+            </a:r>
+            <a:r>
+              <a:rPr lang="en-US" dirty="0"/>
+              <a:t> </a:t>
+            </a:r>
+            <a:r>
+              <a:rPr lang="en-US" dirty="0" err="1"/>
+              <a:t>dei</a:t>
+            </a:r>
+            <a:r>
+              <a:rPr lang="en-US" dirty="0"/>
+              <a:t> </a:t>
+            </a:r>
+            <a:r>
+              <a:rPr lang="en-US" dirty="0" err="1"/>
+              <a:t>blocchi</a:t>
+            </a:r>
+            <a:r>
+              <a:rPr lang="en-US" dirty="0"/>
+              <a:t> di </a:t>
+            </a:r>
+            <a:r>
+              <a:rPr lang="en-US" dirty="0" err="1"/>
+              <a:t>indirizzi</a:t>
+            </a:r>
+            <a:r>
+              <a:rPr lang="en-US" dirty="0"/>
+              <a:t> il </a:t>
+            </a:r>
+            <a:r>
+              <a:rPr lang="en-US" dirty="0" err="1"/>
+              <a:t>più</a:t>
+            </a:r>
+            <a:r>
+              <a:rPr lang="en-US" dirty="0"/>
+              <a:t> </a:t>
+            </a:r>
+            <a:r>
+              <a:rPr lang="en-US" dirty="0" err="1"/>
+              <a:t>compatti</a:t>
+            </a:r>
+            <a:r>
+              <a:rPr lang="en-US" dirty="0"/>
+              <a:t> </a:t>
+            </a:r>
+            <a:r>
+              <a:rPr lang="en-US" dirty="0" err="1"/>
+              <a:t>possibile</a:t>
+            </a:r>
+            <a:endParaRPr lang="en-US" dirty="0"/>
+          </a:p>
+          <a:p>
+            <a:r>
+              <a:rPr lang="it-IT" dirty="0"/>
+              <a:t>Si comunica ad esempio verso il router di uno stato che poi si occuperà di indirizzare verso la città corretta (e quindi la sottorete corretta)</a:t>
+            </a:r>
+          </a:p>
+          <a:p>
+            <a:r>
+              <a:rPr lang="it-IT" dirty="0"/>
+              <a:t>Viene </a:t>
+            </a:r>
+            <a:r>
+              <a:rPr lang="it-IT"/>
+              <a:t>in aiuto il DHCP</a:t>
+            </a:r>
+            <a:endParaRPr lang="it-IT" dirty="0"/>
+          </a:p>
+        </p:txBody>
+      </p:sp>
+    </p:spTree>
+    <p:extLst>
+      <p:ext uri="{BB962C8B-B14F-4D97-AF65-F5344CB8AC3E}">
+        <p14:creationId xmlns:p14="http://schemas.microsoft.com/office/powerpoint/2010/main" val="3371825934"/>
+      </p:ext>
+    </p:extLst>
+  </p:cSld>
+  <p:clrMapOvr>
+    <a:masterClrMapping/>
+  </p:clrMapOvr>
+  <mc:AlternateContent xmlns:mc="http://schemas.openxmlformats.org/markup-compatibility/2006">
+    <mc:Choice xmlns:p159="http://schemas.microsoft.com/office/powerpoint/2015/09/main" Requires="p159">
+      <p:transition xmlns:p14="http://schemas.microsoft.com/office/powerpoint/2010/main" spd="slow" p14:dur="2000">
+        <p159:morph option="byObject"/>
+      </p:transition>
+    </mc:Choice>
+    <mc:Fallback>
+      <p:transition spd="slow">
+        <p:fade/>
+      </p:transition>
+    </mc:Fallback>
+  </mc:AlternateContent>
+</p:sld>
+</file>
+
 <file path=ppt/slides/slide2.xml><?xml version="1.0" encoding="utf-8"?>
 <p:sld xmlns:a="http://schemas.openxmlformats.org/drawingml/2006/main" xmlns:r="http://schemas.openxmlformats.org/officeDocument/2006/relationships" xmlns:p="http://schemas.openxmlformats.org/presentationml/2006/main">
   <p:cSld>
@@ -4382,13 +5417,13 @@
   <p:clrMapOvr>
     <a:masterClrMapping/>
   </p:clrMapOvr>
-  <mc:AlternateContent xmlns:mc="http://schemas.openxmlformats.org/markup-compatibility/2006">
-    <mc:Choice xmlns:p159="http://schemas.microsoft.com/office/powerpoint/2015/09/main" Requires="p159">
+  <mc:AlternateContent xmlns:mc="http://schemas.openxmlformats.org/markup-compatibility/2006" xmlns:p159="http://schemas.microsoft.com/office/powerpoint/2015/09/main">
+    <mc:Choice Requires="p159">
       <p:transition xmlns:p14="http://schemas.microsoft.com/office/powerpoint/2010/main" spd="slow" p14:dur="2000">
         <p159:morph option="byObject"/>
       </p:transition>
     </mc:Choice>
-    <mc:Fallback>
+    <mc:Fallback xmlns="">
       <p:transition spd="slow">
         <p:fade/>
       </p:transition>
@@ -5091,13 +6126,13 @@
   <p:clrMapOvr>
     <a:masterClrMapping/>
   </p:clrMapOvr>
-  <mc:AlternateContent xmlns:mc="http://schemas.openxmlformats.org/markup-compatibility/2006">
-    <mc:Choice xmlns:p159="http://schemas.microsoft.com/office/powerpoint/2015/09/main" Requires="p159">
+  <mc:AlternateContent xmlns:mc="http://schemas.openxmlformats.org/markup-compatibility/2006" xmlns:p159="http://schemas.microsoft.com/office/powerpoint/2015/09/main">
+    <mc:Choice Requires="p159">
       <p:transition xmlns:p14="http://schemas.microsoft.com/office/powerpoint/2010/main" spd="slow" p14:dur="2000">
         <p159:morph option="byObject"/>
       </p:transition>
     </mc:Choice>
-    <mc:Fallback>
+    <mc:Fallback xmlns="">
       <p:transition spd="slow">
         <p:fade/>
       </p:transition>
@@ -5343,13 +6378,13 @@
   <p:clrMapOvr>
     <a:masterClrMapping/>
   </p:clrMapOvr>
-  <mc:AlternateContent xmlns:mc="http://schemas.openxmlformats.org/markup-compatibility/2006">
-    <mc:Choice xmlns:p159="http://schemas.microsoft.com/office/powerpoint/2015/09/main" Requires="p159">
+  <mc:AlternateContent xmlns:mc="http://schemas.openxmlformats.org/markup-compatibility/2006" xmlns:p159="http://schemas.microsoft.com/office/powerpoint/2015/09/main">
+    <mc:Choice Requires="p159">
       <p:transition xmlns:p14="http://schemas.microsoft.com/office/powerpoint/2010/main" spd="slow" p14:dur="2000">
         <p159:morph option="byObject"/>
       </p:transition>
     </mc:Choice>
-    <mc:Fallback>
+    <mc:Fallback xmlns="">
       <p:transition spd="slow">
         <p:fade/>
       </p:transition>
@@ -5624,13 +6659,13 @@
   <p:clrMapOvr>
     <a:masterClrMapping/>
   </p:clrMapOvr>
-  <mc:AlternateContent xmlns:mc="http://schemas.openxmlformats.org/markup-compatibility/2006">
-    <mc:Choice xmlns:p159="http://schemas.microsoft.com/office/powerpoint/2015/09/main" Requires="p159">
+  <mc:AlternateContent xmlns:mc="http://schemas.openxmlformats.org/markup-compatibility/2006" xmlns:p159="http://schemas.microsoft.com/office/powerpoint/2015/09/main">
+    <mc:Choice Requires="p159">
       <p:transition xmlns:p14="http://schemas.microsoft.com/office/powerpoint/2010/main" spd="slow" p14:dur="2000">
         <p159:morph option="byObject"/>
       </p:transition>
     </mc:Choice>
-    <mc:Fallback>
+    <mc:Fallback xmlns="">
       <p:transition spd="slow">
         <p:fade/>
       </p:transition>
@@ -5787,13 +6822,50 @@
           <a:p>
             <a:r>
               <a:rPr lang="it-IT" sz="1800" dirty="0"/>
-              <a:t>Criterio di consistenza -&gt; una porzione di cammino minimo è il cammino minimo tra i nodi che delimitano tale porzione</a:t>
-            </a:r>
-            <a:endParaRPr lang="it-IT" sz="1600" dirty="0">
-              <a:solidFill>
-                <a:srgbClr val="FF0000"/>
-              </a:solidFill>
-            </a:endParaRPr>
+              <a:t>È un algoritmo di </a:t>
+            </a:r>
+            <a:r>
+              <a:rPr lang="it-IT" sz="1800" dirty="0" err="1"/>
+              <a:t>routing</a:t>
+            </a:r>
+            <a:r>
+              <a:rPr lang="it-IT" sz="1800" dirty="0"/>
+              <a:t> dinamico in cui ogni router calcola la distanza tra se stesso e ogni possibile destinazione nelle immediate vicinanze</a:t>
+            </a:r>
+          </a:p>
+          <a:p>
+            <a:r>
+              <a:rPr lang="it-IT" sz="1800" dirty="0"/>
+              <a:t>Un router condivide le proprie informazioni riguardanti l’intera rete a tutti i router vicini e aggiorna le tabelle di </a:t>
+            </a:r>
+            <a:r>
+              <a:rPr lang="it-IT" sz="1800" dirty="0" err="1"/>
+              <a:t>routing</a:t>
+            </a:r>
+            <a:r>
+              <a:rPr lang="it-IT" sz="1800" dirty="0"/>
+              <a:t> in base alle informazioni che ottiene a sua volta</a:t>
+            </a:r>
+          </a:p>
+          <a:p>
+            <a:r>
+              <a:rPr lang="it-IT" sz="1800" dirty="0"/>
+              <a:t>La condivisione delle informazioni con i vicini avviene a intervalli regolari</a:t>
+            </a:r>
+          </a:p>
+          <a:p>
+            <a:r>
+              <a:rPr lang="it-IT" sz="1800" dirty="0"/>
+              <a:t>Utilizza l'algoritmo </a:t>
+            </a:r>
+            <a:r>
+              <a:rPr lang="it-IT" sz="1800" dirty="0" err="1"/>
+              <a:t>Bellman</a:t>
+            </a:r>
+            <a:r>
+              <a:rPr lang="it-IT" sz="1800" dirty="0"/>
+              <a:t>-Ford per creare tabelle di instradamento</a:t>
+            </a:r>
           </a:p>
         </p:txBody>
       </p:sp>
@@ -5836,7 +6908,440 @@
     </p:spTree>
     <p:extLst>
       <p:ext uri="{BB962C8B-B14F-4D97-AF65-F5344CB8AC3E}">
-        <p14:creationId xmlns:p14="http://schemas.microsoft.com/office/powerpoint/2010/main" val="2901050938"/>
+        <p14:creationId xmlns:p14="http://schemas.microsoft.com/office/powerpoint/2010/main" val="1840442306"/>
+      </p:ext>
+    </p:extLst>
+  </p:cSld>
+  <p:clrMapOvr>
+    <a:masterClrMapping/>
+  </p:clrMapOvr>
+  <mc:AlternateContent xmlns:mc="http://schemas.openxmlformats.org/markup-compatibility/2006">
+    <mc:Choice xmlns:p159="http://schemas.microsoft.com/office/powerpoint/2015/09/main" Requires="p159">
+      <p:transition xmlns:p14="http://schemas.microsoft.com/office/powerpoint/2010/main" spd="slow" p14:dur="2000">
+        <p159:morph option="byObject"/>
+      </p:transition>
+    </mc:Choice>
+    <mc:Fallback>
+      <p:transition spd="slow">
+        <p:fade/>
+      </p:transition>
+    </mc:Fallback>
+  </mc:AlternateContent>
+</p:sld>
+</file>
+
+<file path=ppt/slides/slide8.xml><?xml version="1.0" encoding="utf-8"?>
+<p:sld xmlns:a="http://schemas.openxmlformats.org/drawingml/2006/main" xmlns:r="http://schemas.openxmlformats.org/officeDocument/2006/relationships" xmlns:p="http://schemas.openxmlformats.org/presentationml/2006/main">
+  <p:cSld>
+    <p:spTree>
+      <p:nvGrpSpPr>
+        <p:cNvPr id="1" name=""/>
+        <p:cNvGrpSpPr/>
+        <p:nvPr/>
+      </p:nvGrpSpPr>
+      <p:grpSpPr>
+        <a:xfrm>
+          <a:off x="0" y="0"/>
+          <a:ext cx="0" cy="0"/>
+          <a:chOff x="0" y="0"/>
+          <a:chExt cx="0" cy="0"/>
+        </a:xfrm>
+      </p:grpSpPr>
+      <p:sp>
+        <p:nvSpPr>
+          <p:cNvPr id="5" name="Rettangolo con angoli arrotondati 4">
+            <a:extLst>
+              <a:ext uri="{FF2B5EF4-FFF2-40B4-BE49-F238E27FC236}">
+                <a16:creationId xmlns:a16="http://schemas.microsoft.com/office/drawing/2014/main" id="{9B281B25-3E31-EC1A-BB8F-795A8CC896CB}"/>
+              </a:ext>
+            </a:extLst>
+          </p:cNvPr>
+          <p:cNvSpPr/>
+          <p:nvPr/>
+        </p:nvSpPr>
+        <p:spPr>
+          <a:xfrm>
+            <a:off x="1381897" y="521279"/>
+            <a:ext cx="9428206" cy="1013254"/>
+          </a:xfrm>
+          <a:prstGeom prst="roundRect">
+            <a:avLst/>
+          </a:prstGeom>
+        </p:spPr>
+        <p:style>
+          <a:lnRef idx="2">
+            <a:schemeClr val="dk1">
+              <a:shade val="50000"/>
+            </a:schemeClr>
+          </a:lnRef>
+          <a:fillRef idx="1">
+            <a:schemeClr val="dk1"/>
+          </a:fillRef>
+          <a:effectRef idx="0">
+            <a:schemeClr val="dk1"/>
+          </a:effectRef>
+          <a:fontRef idx="minor">
+            <a:schemeClr val="lt1"/>
+          </a:fontRef>
+        </p:style>
+        <p:txBody>
+          <a:bodyPr rtlCol="0" anchor="ctr"/>
+          <a:lstStyle/>
+          <a:p>
+            <a:pPr algn="ctr"/>
+            <a:endParaRPr lang="it-IT"/>
+          </a:p>
+        </p:txBody>
+      </p:sp>
+      <p:sp>
+        <p:nvSpPr>
+          <p:cNvPr id="2" name="Titolo 1">
+            <a:extLst>
+              <a:ext uri="{FF2B5EF4-FFF2-40B4-BE49-F238E27FC236}">
+                <a16:creationId xmlns:a16="http://schemas.microsoft.com/office/drawing/2014/main" id="{89482AAA-D49C-41CC-87C3-E210C152BED8}"/>
+              </a:ext>
+            </a:extLst>
+          </p:cNvPr>
+          <p:cNvSpPr>
+            <a:spLocks noGrp="1"/>
+          </p:cNvSpPr>
+          <p:nvPr>
+            <p:ph type="title"/>
+          </p:nvPr>
+        </p:nvSpPr>
+        <p:spPr/>
+        <p:txBody>
+          <a:bodyPr>
+            <a:normAutofit/>
+          </a:bodyPr>
+          <a:lstStyle/>
+          <a:p>
+            <a:pPr algn="ctr"/>
+            <a:r>
+              <a:rPr lang="it-IT" sz="4800" dirty="0">
+                <a:solidFill>
+                  <a:schemeClr val="bg1"/>
+                </a:solidFill>
+                <a:latin typeface="Print Clearly" panose="02000000000000000000" pitchFamily="50" charset="0"/>
+              </a:rPr>
+              <a:t>Link State</a:t>
+            </a:r>
+          </a:p>
+        </p:txBody>
+      </p:sp>
+      <p:sp>
+        <p:nvSpPr>
+          <p:cNvPr id="9" name="Segnaposto contenuto 8">
+            <a:extLst>
+              <a:ext uri="{FF2B5EF4-FFF2-40B4-BE49-F238E27FC236}">
+                <a16:creationId xmlns:a16="http://schemas.microsoft.com/office/drawing/2014/main" id="{8884F149-3F1B-18FB-25A5-8E5EFEC7E5A4}"/>
+              </a:ext>
+            </a:extLst>
+          </p:cNvPr>
+          <p:cNvSpPr>
+            <a:spLocks noGrp="1"/>
+          </p:cNvSpPr>
+          <p:nvPr>
+            <p:ph idx="1"/>
+          </p:nvPr>
+        </p:nvSpPr>
+        <p:spPr/>
+        <p:txBody>
+          <a:bodyPr>
+            <a:normAutofit/>
+          </a:bodyPr>
+          <a:lstStyle/>
+          <a:p>
+            <a:r>
+              <a:rPr lang="it-IT" sz="1800" dirty="0"/>
+              <a:t>È un algoritmo di </a:t>
+            </a:r>
+            <a:r>
+              <a:rPr lang="it-IT" sz="1800" dirty="0" err="1"/>
+              <a:t>routing</a:t>
+            </a:r>
+            <a:r>
+              <a:rPr lang="it-IT" sz="1800" dirty="0"/>
+              <a:t> dinamico in cui ogni router calcola la distanza tra se stesso e ogni altro router nella rete</a:t>
+            </a:r>
+          </a:p>
+          <a:p>
+            <a:r>
+              <a:rPr lang="it-IT" sz="1800" dirty="0"/>
+              <a:t>Un router condivide le proprie informazioni riguardanti i router vicini tramite il </a:t>
+            </a:r>
+            <a:r>
+              <a:rPr lang="it-IT" sz="1800" dirty="0" err="1"/>
+              <a:t>flooding</a:t>
+            </a:r>
+            <a:endParaRPr lang="it-IT" sz="1800" dirty="0"/>
+          </a:p>
+          <a:p>
+            <a:r>
+              <a:rPr lang="it-IT" sz="1800" dirty="0"/>
+              <a:t>La scambio di informazioni avviene ogni volta che c’è un cambiamento</a:t>
+            </a:r>
+          </a:p>
+          <a:p>
+            <a:r>
+              <a:rPr lang="it-IT" sz="1800" dirty="0"/>
+              <a:t>Utilizza l'algoritmo di </a:t>
+            </a:r>
+            <a:r>
+              <a:rPr lang="it-IT" sz="1800" dirty="0" err="1"/>
+              <a:t>Dijkstra</a:t>
+            </a:r>
+            <a:r>
+              <a:rPr lang="it-IT" sz="1800" dirty="0"/>
+              <a:t> per creare tabelle di instradamento</a:t>
+            </a:r>
+          </a:p>
+        </p:txBody>
+      </p:sp>
+      <p:pic>
+        <p:nvPicPr>
+          <p:cNvPr id="4" name="Immagine 3">
+            <a:extLst>
+              <a:ext uri="{FF2B5EF4-FFF2-40B4-BE49-F238E27FC236}">
+                <a16:creationId xmlns:a16="http://schemas.microsoft.com/office/drawing/2014/main" id="{D77C5866-A614-48DA-8D6D-4A9AAB8F9B0D}"/>
+              </a:ext>
+            </a:extLst>
+          </p:cNvPr>
+          <p:cNvPicPr>
+            <a:picLocks noChangeAspect="1"/>
+          </p:cNvPicPr>
+          <p:nvPr/>
+        </p:nvPicPr>
+        <p:blipFill>
+          <a:blip r:embed="rId2">
+            <a:extLst>
+              <a:ext uri="{28A0092B-C50C-407E-A947-70E740481C1C}">
+                <a14:useLocalDpi xmlns:a14="http://schemas.microsoft.com/office/drawing/2010/main" val="0"/>
+              </a:ext>
+            </a:extLst>
+          </a:blip>
+          <a:stretch>
+            <a:fillRect/>
+          </a:stretch>
+        </p:blipFill>
+        <p:spPr>
+          <a:xfrm>
+            <a:off x="9441877" y="6129856"/>
+            <a:ext cx="2414146" cy="397754"/>
+          </a:xfrm>
+          <a:prstGeom prst="rect">
+            <a:avLst/>
+          </a:prstGeom>
+        </p:spPr>
+      </p:pic>
+    </p:spTree>
+    <p:extLst>
+      <p:ext uri="{BB962C8B-B14F-4D97-AF65-F5344CB8AC3E}">
+        <p14:creationId xmlns:p14="http://schemas.microsoft.com/office/powerpoint/2010/main" val="2567653238"/>
+      </p:ext>
+    </p:extLst>
+  </p:cSld>
+  <p:clrMapOvr>
+    <a:masterClrMapping/>
+  </p:clrMapOvr>
+  <mc:AlternateContent xmlns:mc="http://schemas.openxmlformats.org/markup-compatibility/2006">
+    <mc:Choice xmlns:p159="http://schemas.microsoft.com/office/powerpoint/2015/09/main" Requires="p159">
+      <p:transition xmlns:p14="http://schemas.microsoft.com/office/powerpoint/2010/main" spd="slow" p14:dur="2000">
+        <p159:morph option="byObject"/>
+      </p:transition>
+    </mc:Choice>
+    <mc:Fallback>
+      <p:transition spd="slow">
+        <p:fade/>
+      </p:transition>
+    </mc:Fallback>
+  </mc:AlternateContent>
+</p:sld>
+</file>
+
+<file path=ppt/slides/slide9.xml><?xml version="1.0" encoding="utf-8"?>
+<p:sld xmlns:a="http://schemas.openxmlformats.org/drawingml/2006/main" xmlns:r="http://schemas.openxmlformats.org/officeDocument/2006/relationships" xmlns:p="http://schemas.openxmlformats.org/presentationml/2006/main">
+  <p:cSld>
+    <p:spTree>
+      <p:nvGrpSpPr>
+        <p:cNvPr id="1" name=""/>
+        <p:cNvGrpSpPr/>
+        <p:nvPr/>
+      </p:nvGrpSpPr>
+      <p:grpSpPr>
+        <a:xfrm>
+          <a:off x="0" y="0"/>
+          <a:ext cx="0" cy="0"/>
+          <a:chOff x="0" y="0"/>
+          <a:chExt cx="0" cy="0"/>
+        </a:xfrm>
+      </p:grpSpPr>
+      <p:sp>
+        <p:nvSpPr>
+          <p:cNvPr id="5" name="Rettangolo con angoli arrotondati 4">
+            <a:extLst>
+              <a:ext uri="{FF2B5EF4-FFF2-40B4-BE49-F238E27FC236}">
+                <a16:creationId xmlns:a16="http://schemas.microsoft.com/office/drawing/2014/main" id="{9B281B25-3E31-EC1A-BB8F-795A8CC896CB}"/>
+              </a:ext>
+            </a:extLst>
+          </p:cNvPr>
+          <p:cNvSpPr/>
+          <p:nvPr/>
+        </p:nvSpPr>
+        <p:spPr>
+          <a:xfrm>
+            <a:off x="1381897" y="521279"/>
+            <a:ext cx="9428206" cy="1013254"/>
+          </a:xfrm>
+          <a:prstGeom prst="roundRect">
+            <a:avLst/>
+          </a:prstGeom>
+        </p:spPr>
+        <p:style>
+          <a:lnRef idx="2">
+            <a:schemeClr val="dk1">
+              <a:shade val="50000"/>
+            </a:schemeClr>
+          </a:lnRef>
+          <a:fillRef idx="1">
+            <a:schemeClr val="dk1"/>
+          </a:fillRef>
+          <a:effectRef idx="0">
+            <a:schemeClr val="dk1"/>
+          </a:effectRef>
+          <a:fontRef idx="minor">
+            <a:schemeClr val="lt1"/>
+          </a:fontRef>
+        </p:style>
+        <p:txBody>
+          <a:bodyPr rtlCol="0" anchor="ctr"/>
+          <a:lstStyle/>
+          <a:p>
+            <a:pPr algn="ctr"/>
+            <a:endParaRPr lang="it-IT"/>
+          </a:p>
+        </p:txBody>
+      </p:sp>
+      <p:sp>
+        <p:nvSpPr>
+          <p:cNvPr id="2" name="Titolo 1">
+            <a:extLst>
+              <a:ext uri="{FF2B5EF4-FFF2-40B4-BE49-F238E27FC236}">
+                <a16:creationId xmlns:a16="http://schemas.microsoft.com/office/drawing/2014/main" id="{89482AAA-D49C-41CC-87C3-E210C152BED8}"/>
+              </a:ext>
+            </a:extLst>
+          </p:cNvPr>
+          <p:cNvSpPr>
+            <a:spLocks noGrp="1"/>
+          </p:cNvSpPr>
+          <p:nvPr>
+            <p:ph type="title"/>
+          </p:nvPr>
+        </p:nvSpPr>
+        <p:spPr/>
+        <p:txBody>
+          <a:bodyPr>
+            <a:normAutofit/>
+          </a:bodyPr>
+          <a:lstStyle/>
+          <a:p>
+            <a:pPr algn="ctr"/>
+            <a:r>
+              <a:rPr lang="it-IT" sz="4800" dirty="0">
+                <a:solidFill>
+                  <a:schemeClr val="bg1"/>
+                </a:solidFill>
+                <a:latin typeface="Print Clearly" panose="02000000000000000000" pitchFamily="50" charset="0"/>
+              </a:rPr>
+              <a:t>Problemi di DV e LS</a:t>
+            </a:r>
+          </a:p>
+        </p:txBody>
+      </p:sp>
+      <p:sp>
+        <p:nvSpPr>
+          <p:cNvPr id="9" name="Segnaposto contenuto 8">
+            <a:extLst>
+              <a:ext uri="{FF2B5EF4-FFF2-40B4-BE49-F238E27FC236}">
+                <a16:creationId xmlns:a16="http://schemas.microsoft.com/office/drawing/2014/main" id="{8884F149-3F1B-18FB-25A5-8E5EFEC7E5A4}"/>
+              </a:ext>
+            </a:extLst>
+          </p:cNvPr>
+          <p:cNvSpPr>
+            <a:spLocks noGrp="1"/>
+          </p:cNvSpPr>
+          <p:nvPr>
+            <p:ph idx="1"/>
+          </p:nvPr>
+        </p:nvSpPr>
+        <p:spPr/>
+        <p:txBody>
+          <a:bodyPr>
+            <a:normAutofit/>
+          </a:bodyPr>
+          <a:lstStyle/>
+          <a:p>
+            <a:r>
+              <a:rPr lang="it-IT" sz="1800" dirty="0"/>
+              <a:t>In caso di guasti, sia per protocolli basati su DV che su LS serve del tempo perché l’informazione si propaghi</a:t>
+            </a:r>
+          </a:p>
+          <a:p>
+            <a:r>
+              <a:rPr lang="it-IT" sz="1800" dirty="0"/>
+              <a:t>Durante tale intervallo le tabelle di </a:t>
+            </a:r>
+            <a:r>
+              <a:rPr lang="it-IT" sz="1800" dirty="0" err="1"/>
+              <a:t>routing</a:t>
+            </a:r>
+            <a:r>
+              <a:rPr lang="it-IT" sz="1800" dirty="0"/>
+              <a:t> potrebbero essere errate e si possono formare ROUTING LOOP</a:t>
+            </a:r>
+          </a:p>
+        </p:txBody>
+      </p:sp>
+      <p:pic>
+        <p:nvPicPr>
+          <p:cNvPr id="4" name="Immagine 3">
+            <a:extLst>
+              <a:ext uri="{FF2B5EF4-FFF2-40B4-BE49-F238E27FC236}">
+                <a16:creationId xmlns:a16="http://schemas.microsoft.com/office/drawing/2014/main" id="{D77C5866-A614-48DA-8D6D-4A9AAB8F9B0D}"/>
+              </a:ext>
+            </a:extLst>
+          </p:cNvPr>
+          <p:cNvPicPr>
+            <a:picLocks noChangeAspect="1"/>
+          </p:cNvPicPr>
+          <p:nvPr/>
+        </p:nvPicPr>
+        <p:blipFill>
+          <a:blip r:embed="rId2">
+            <a:extLst>
+              <a:ext uri="{28A0092B-C50C-407E-A947-70E740481C1C}">
+                <a14:useLocalDpi xmlns:a14="http://schemas.microsoft.com/office/drawing/2010/main" val="0"/>
+              </a:ext>
+            </a:extLst>
+          </a:blip>
+          <a:stretch>
+            <a:fillRect/>
+          </a:stretch>
+        </p:blipFill>
+        <p:spPr>
+          <a:xfrm>
+            <a:off x="9441877" y="6129856"/>
+            <a:ext cx="2414146" cy="397754"/>
+          </a:xfrm>
+          <a:prstGeom prst="rect">
+            <a:avLst/>
+          </a:prstGeom>
+        </p:spPr>
+      </p:pic>
+    </p:spTree>
+    <p:extLst>
+      <p:ext uri="{BB962C8B-B14F-4D97-AF65-F5344CB8AC3E}">
+        <p14:creationId xmlns:p14="http://schemas.microsoft.com/office/powerpoint/2010/main" val="490012762"/>
       </p:ext>
     </p:extLst>
   </p:cSld>
